--- a/python1_2025.pptx
+++ b/python1_2025.pptx
@@ -5,7 +5,7 @@
     <p:sldMasterId id="2147483660" r:id="rId1"/>
   </p:sldMasterIdLst>
   <p:notesMasterIdLst>
-    <p:notesMasterId r:id="rId31"/>
+    <p:notesMasterId r:id="rId30"/>
   </p:notesMasterIdLst>
   <p:sldIdLst>
     <p:sldId id="256" r:id="rId2"/>
@@ -36,27 +36,26 @@
     <p:sldId id="280" r:id="rId27"/>
     <p:sldId id="281" r:id="rId28"/>
     <p:sldId id="283" r:id="rId29"/>
-    <p:sldId id="282" r:id="rId30"/>
   </p:sldIdLst>
   <p:sldSz cx="9144000" cy="5143500" type="screen16x9"/>
   <p:notesSz cx="6858000" cy="9144000"/>
   <p:embeddedFontLst>
     <p:embeddedFont>
       <p:font typeface="Avenir" panose="02000503020000020003" pitchFamily="2" charset="0"/>
-      <p:regular r:id="rId32"/>
-      <p:italic r:id="rId33"/>
+      <p:regular r:id="rId31"/>
+      <p:italic r:id="rId32"/>
     </p:embeddedFont>
     <p:embeddedFont>
       <p:font typeface="Avenir Book" panose="02000503020000020003" pitchFamily="2" charset="0"/>
-      <p:regular r:id="rId34"/>
-      <p:italic r:id="rId35"/>
+      <p:regular r:id="rId33"/>
+      <p:italic r:id="rId34"/>
     </p:embeddedFont>
     <p:embeddedFont>
       <p:font typeface="Montserrat" pitchFamily="2" charset="77"/>
-      <p:regular r:id="rId36"/>
-      <p:bold r:id="rId37"/>
-      <p:italic r:id="rId38"/>
-      <p:boldItalic r:id="rId39"/>
+      <p:regular r:id="rId35"/>
+      <p:bold r:id="rId36"/>
+      <p:italic r:id="rId37"/>
+      <p:boldItalic r:id="rId38"/>
     </p:embeddedFont>
   </p:embeddedFontLst>
   <p:defaultTextStyle>
@@ -3056,110 +3055,6 @@
       <p:sp>
         <p:nvSpPr>
           <p:cNvPr id="298" name="Google Shape;298;g2a3ad0cb722_0_568:notes"/>
-          <p:cNvSpPr txBox="1">
-            <a:spLocks noGrp="1"/>
-          </p:cNvSpPr>
-          <p:nvPr>
-            <p:ph type="body" idx="1"/>
-          </p:nvPr>
-        </p:nvSpPr>
-        <p:spPr>
-          <a:xfrm>
-            <a:off x="685800" y="4343400"/>
-            <a:ext cx="5486400" cy="4114800"/>
-          </a:xfrm>
-          <a:prstGeom prst="rect">
-            <a:avLst/>
-          </a:prstGeom>
-        </p:spPr>
-        <p:txBody>
-          <a:bodyPr spcFirstLastPara="1" wrap="square" lIns="91425" tIns="91425" rIns="91425" bIns="91425" anchor="t" anchorCtr="0">
-            <a:noAutofit/>
-          </a:bodyPr>
-          <a:lstStyle/>
-          <a:p>
-            <a:pPr marL="0" lvl="0" indent="0" algn="l" rtl="0">
-              <a:spcBef>
-                <a:spcPts val="0"/>
-              </a:spcBef>
-              <a:spcAft>
-                <a:spcPts val="0"/>
-              </a:spcAft>
-              <a:buNone/>
-            </a:pPr>
-            <a:endParaRPr/>
-          </a:p>
-        </p:txBody>
-      </p:sp>
-    </p:spTree>
-  </p:cSld>
-  <p:clrMapOvr>
-    <a:masterClrMapping/>
-  </p:clrMapOvr>
-</p:notes>
-</file>
-
-<file path=ppt/notesSlides/notesSlide29.xml><?xml version="1.0" encoding="utf-8"?>
-<p:notes xmlns:a="http://schemas.openxmlformats.org/drawingml/2006/main" xmlns:r="http://schemas.openxmlformats.org/officeDocument/2006/relationships" xmlns:p="http://schemas.openxmlformats.org/presentationml/2006/main" showMasterSp="0" showMasterPhAnim="0">
-  <p:cSld>
-    <p:spTree>
-      <p:nvGrpSpPr>
-        <p:cNvPr id="1" name="Shape 290"/>
-        <p:cNvGrpSpPr/>
-        <p:nvPr/>
-      </p:nvGrpSpPr>
-      <p:grpSpPr>
-        <a:xfrm>
-          <a:off x="0" y="0"/>
-          <a:ext cx="0" cy="0"/>
-          <a:chOff x="0" y="0"/>
-          <a:chExt cx="0" cy="0"/>
-        </a:xfrm>
-      </p:grpSpPr>
-      <p:sp>
-        <p:nvSpPr>
-          <p:cNvPr id="291" name="Google Shape;291;g2a3ad0cb722_0_243:notes"/>
-          <p:cNvSpPr>
-            <a:spLocks noGrp="1" noRot="1" noChangeAspect="1"/>
-          </p:cNvSpPr>
-          <p:nvPr>
-            <p:ph type="sldImg" idx="2"/>
-          </p:nvPr>
-        </p:nvSpPr>
-        <p:spPr>
-          <a:xfrm>
-            <a:off x="381000" y="685800"/>
-            <a:ext cx="6096000" cy="3429000"/>
-          </a:xfrm>
-          <a:custGeom>
-            <a:avLst/>
-            <a:gdLst/>
-            <a:ahLst/>
-            <a:cxnLst/>
-            <a:rect l="l" t="t" r="r" b="b"/>
-            <a:pathLst>
-              <a:path w="120000" h="120000" extrusionOk="0">
-                <a:moveTo>
-                  <a:pt x="0" y="0"/>
-                </a:moveTo>
-                <a:lnTo>
-                  <a:pt x="120000" y="0"/>
-                </a:lnTo>
-                <a:lnTo>
-                  <a:pt x="120000" y="120000"/>
-                </a:lnTo>
-                <a:lnTo>
-                  <a:pt x="0" y="120000"/>
-                </a:lnTo>
-                <a:close/>
-              </a:path>
-            </a:pathLst>
-          </a:custGeom>
-        </p:spPr>
-      </p:sp>
-      <p:sp>
-        <p:nvSpPr>
-          <p:cNvPr id="292" name="Google Shape;292;g2a3ad0cb722_0_243:notes"/>
           <p:cNvSpPr txBox="1">
             <a:spLocks noGrp="1"/>
           </p:cNvSpPr>
@@ -15072,7 +14967,7 @@
               <a:buChar char="●"/>
             </a:pPr>
             <a:r>
-              <a:rPr lang="en" sz="1800">
+              <a:rPr lang="en" sz="1800" dirty="0">
                 <a:solidFill>
                   <a:srgbClr val="000000"/>
                 </a:solidFill>
@@ -15080,7 +14975,7 @@
               <a:t>Official Python docs: </a:t>
             </a:r>
             <a:r>
-              <a:rPr lang="en" sz="1800" u="sng">
+              <a:rPr lang="en" sz="1800" u="sng" dirty="0">
                 <a:solidFill>
                   <a:schemeClr val="hlink"/>
                 </a:solidFill>
@@ -15089,14 +14984,14 @@
               <a:t>https://python.org</a:t>
             </a:r>
             <a:r>
-              <a:rPr lang="en" sz="1800">
+              <a:rPr lang="en" sz="1800" dirty="0">
                 <a:solidFill>
                   <a:srgbClr val="000000"/>
                 </a:solidFill>
               </a:rPr>
               <a:t> </a:t>
             </a:r>
-            <a:endParaRPr sz="1800">
+            <a:endParaRPr sz="1800" dirty="0">
               <a:solidFill>
                 <a:srgbClr val="000000"/>
               </a:solidFill>
@@ -15117,7 +15012,7 @@
               <a:buChar char="○"/>
             </a:pPr>
             <a:r>
-              <a:rPr lang="en" sz="1800">
+              <a:rPr lang="en" sz="1800" dirty="0">
                 <a:solidFill>
                   <a:srgbClr val="000000"/>
                 </a:solidFill>
@@ -15125,7 +15020,7 @@
               <a:t>Beginner guide:</a:t>
             </a:r>
             <a:r>
-              <a:rPr lang="en">
+              <a:rPr lang="en" dirty="0">
                 <a:solidFill>
                   <a:srgbClr val="000000"/>
                 </a:solidFill>
@@ -15133,7 +15028,7 @@
               <a:t> </a:t>
             </a:r>
             <a:r>
-              <a:rPr lang="en" u="sng">
+              <a:rPr lang="en" u="sng" dirty="0">
                 <a:solidFill>
                   <a:schemeClr val="hlink"/>
                 </a:solidFill>
@@ -15142,14 +15037,14 @@
               <a:t>https://wiki.python.org/moin/BeginnersGuide</a:t>
             </a:r>
             <a:r>
-              <a:rPr lang="en">
+              <a:rPr lang="en" dirty="0">
                 <a:solidFill>
                   <a:srgbClr val="000000"/>
                 </a:solidFill>
               </a:rPr>
               <a:t> </a:t>
             </a:r>
-            <a:endParaRPr>
+            <a:endParaRPr dirty="0">
               <a:solidFill>
                 <a:srgbClr val="000000"/>
               </a:solidFill>
@@ -15170,14 +15065,22 @@
               <a:buChar char="●"/>
             </a:pPr>
             <a:r>
-              <a:rPr lang="en" sz="1800">
+              <a:rPr lang="en" sz="1800" dirty="0" err="1">
                 <a:solidFill>
                   <a:srgbClr val="000000"/>
                 </a:solidFill>
               </a:rPr>
-              <a:t>Cheatsheets:</a:t>
-            </a:r>
-            <a:endParaRPr sz="1800">
+              <a:t>Cheatsheets</a:t>
+            </a:r>
+            <a:r>
+              <a:rPr lang="en" sz="1800" dirty="0">
+                <a:solidFill>
+                  <a:srgbClr val="000000"/>
+                </a:solidFill>
+              </a:rPr>
+              <a:t>:</a:t>
+            </a:r>
+            <a:endParaRPr sz="1800" dirty="0">
               <a:solidFill>
                 <a:srgbClr val="000000"/>
               </a:solidFill>
@@ -15198,7 +15101,7 @@
               <a:buChar char="○"/>
             </a:pPr>
             <a:r>
-              <a:rPr lang="en">
+              <a:rPr lang="en" dirty="0">
                 <a:solidFill>
                   <a:srgbClr val="000000"/>
                 </a:solidFill>
@@ -15206,7 +15109,7 @@
               <a:t>Python: </a:t>
             </a:r>
             <a:r>
-              <a:rPr lang="en" u="sng">
+              <a:rPr lang="en" u="sng" dirty="0">
                 <a:solidFill>
                   <a:schemeClr val="hlink"/>
                 </a:solidFill>
@@ -15215,7 +15118,7 @@
               <a:t>https://www.pythoncheatsheet.org/</a:t>
             </a:r>
             <a:r>
-              <a:rPr lang="en">
+              <a:rPr lang="en" dirty="0">
                 <a:solidFill>
                   <a:srgbClr val="000000"/>
                 </a:solidFill>
@@ -15223,7 +15126,7 @@
               <a:t> + </a:t>
             </a:r>
             <a:r>
-              <a:rPr lang="en" u="sng">
+              <a:rPr lang="en" u="sng" dirty="0">
                 <a:solidFill>
                   <a:schemeClr val="hlink"/>
                 </a:solidFill>
@@ -15232,14 +15135,14 @@
               <a:t>https://www.datacamp.com/cheat-sheet/getting-started-with-python-cheat-sheet</a:t>
             </a:r>
             <a:r>
-              <a:rPr lang="en">
+              <a:rPr lang="en" dirty="0">
                 <a:solidFill>
                   <a:srgbClr val="000000"/>
                 </a:solidFill>
               </a:rPr>
               <a:t> </a:t>
             </a:r>
-            <a:endParaRPr>
+            <a:endParaRPr dirty="0">
               <a:solidFill>
                 <a:srgbClr val="000000"/>
               </a:solidFill>
@@ -15260,7 +15163,7 @@
               <a:buChar char="●"/>
             </a:pPr>
             <a:r>
-              <a:rPr lang="en" sz="1800">
+              <a:rPr lang="en" sz="1800" dirty="0">
                 <a:solidFill>
                   <a:srgbClr val="000000"/>
                 </a:solidFill>
@@ -15268,7 +15171,7 @@
               <a:t>See more helpful learning resources (under Python)</a:t>
             </a:r>
             <a:r>
-              <a:rPr lang="en">
+              <a:rPr lang="en" dirty="0">
                 <a:solidFill>
                   <a:srgbClr val="000000"/>
                 </a:solidFill>
@@ -15276,7 +15179,7 @@
               <a:t>: </a:t>
             </a:r>
             <a:r>
-              <a:rPr lang="en" sz="1800" u="sng">
+              <a:rPr lang="en" sz="1800" u="sng" dirty="0">
                 <a:solidFill>
                   <a:schemeClr val="hlink"/>
                 </a:solidFill>
@@ -15285,14 +15188,14 @@
               <a:t>https://library.medicine.yale.edu/research-data/learn-work-data</a:t>
             </a:r>
             <a:r>
-              <a:rPr lang="en" sz="1800">
+              <a:rPr lang="en" sz="1800" dirty="0">
                 <a:solidFill>
                   <a:srgbClr val="000000"/>
                 </a:solidFill>
               </a:rPr>
               <a:t> </a:t>
             </a:r>
-            <a:endParaRPr sz="1800">
+            <a:endParaRPr sz="1800" dirty="0">
               <a:solidFill>
                 <a:srgbClr val="000000"/>
               </a:solidFill>
@@ -15682,164 +15585,6 @@
               <a:buNone/>
             </a:pPr>
             <a:endParaRPr dirty="0"/>
-          </a:p>
-        </p:txBody>
-      </p:sp>
-    </p:spTree>
-  </p:cSld>
-  <p:clrMapOvr>
-    <a:masterClrMapping/>
-  </p:clrMapOvr>
-</p:sld>
-</file>
-
-<file path=ppt/slides/slide29.xml><?xml version="1.0" encoding="utf-8"?>
-<p:sld xmlns:a="http://schemas.openxmlformats.org/drawingml/2006/main" xmlns:r="http://schemas.openxmlformats.org/officeDocument/2006/relationships" xmlns:p="http://schemas.openxmlformats.org/presentationml/2006/main">
-  <p:cSld>
-    <p:spTree>
-      <p:nvGrpSpPr>
-        <p:cNvPr id="1" name="Shape 293"/>
-        <p:cNvGrpSpPr/>
-        <p:nvPr/>
-      </p:nvGrpSpPr>
-      <p:grpSpPr>
-        <a:xfrm>
-          <a:off x="0" y="0"/>
-          <a:ext cx="0" cy="0"/>
-          <a:chOff x="0" y="0"/>
-          <a:chExt cx="0" cy="0"/>
-        </a:xfrm>
-      </p:grpSpPr>
-      <p:sp>
-        <p:nvSpPr>
-          <p:cNvPr id="294" name="Google Shape;294;p40"/>
-          <p:cNvSpPr txBox="1">
-            <a:spLocks noGrp="1"/>
-          </p:cNvSpPr>
-          <p:nvPr>
-            <p:ph type="title"/>
-          </p:nvPr>
-        </p:nvSpPr>
-        <p:spPr>
-          <a:xfrm>
-            <a:off x="691200" y="152400"/>
-            <a:ext cx="7761600" cy="969000"/>
-          </a:xfrm>
-          <a:prstGeom prst="rect">
-            <a:avLst/>
-          </a:prstGeom>
-        </p:spPr>
-        <p:txBody>
-          <a:bodyPr spcFirstLastPara="1" wrap="square" lIns="91425" tIns="91425" rIns="91425" bIns="91425" anchor="b" anchorCtr="0">
-            <a:noAutofit/>
-          </a:bodyPr>
-          <a:lstStyle/>
-          <a:p>
-            <a:pPr marL="0" lvl="0" indent="0" algn="l" rtl="0">
-              <a:spcBef>
-                <a:spcPts val="0"/>
-              </a:spcBef>
-              <a:spcAft>
-                <a:spcPts val="0"/>
-              </a:spcAft>
-              <a:buNone/>
-            </a:pPr>
-            <a:r>
-              <a:rPr lang="en"/>
-              <a:t>Resources</a:t>
-            </a:r>
-            <a:endParaRPr/>
-          </a:p>
-        </p:txBody>
-      </p:sp>
-      <p:sp>
-        <p:nvSpPr>
-          <p:cNvPr id="295" name="Google Shape;295;p40"/>
-          <p:cNvSpPr txBox="1">
-            <a:spLocks noGrp="1"/>
-          </p:cNvSpPr>
-          <p:nvPr>
-            <p:ph type="body" idx="1"/>
-          </p:nvPr>
-        </p:nvSpPr>
-        <p:spPr>
-          <a:xfrm>
-            <a:off x="691200" y="1343775"/>
-            <a:ext cx="7761600" cy="2868900"/>
-          </a:xfrm>
-          <a:prstGeom prst="rect">
-            <a:avLst/>
-          </a:prstGeom>
-        </p:spPr>
-        <p:txBody>
-          <a:bodyPr spcFirstLastPara="1" wrap="square" lIns="91425" tIns="91425" rIns="91425" bIns="91425" anchor="t" anchorCtr="0">
-            <a:noAutofit/>
-          </a:bodyPr>
-          <a:lstStyle/>
-          <a:p>
-            <a:pPr marL="457200" lvl="0" indent="-342900" algn="l" rtl="0">
-              <a:spcBef>
-                <a:spcPts val="600"/>
-              </a:spcBef>
-              <a:spcAft>
-                <a:spcPts val="0"/>
-              </a:spcAft>
-              <a:buClr>
-                <a:srgbClr val="000000"/>
-              </a:buClr>
-              <a:buSzPts val="1800"/>
-              <a:buChar char="●"/>
-            </a:pPr>
-            <a:r>
-              <a:rPr lang="en" sz="1800">
-                <a:solidFill>
-                  <a:srgbClr val="000000"/>
-                </a:solidFill>
-              </a:rPr>
-              <a:t>Understanding loops:</a:t>
-            </a:r>
-            <a:endParaRPr sz="1800">
-              <a:solidFill>
-                <a:srgbClr val="000000"/>
-              </a:solidFill>
-            </a:endParaRPr>
-          </a:p>
-          <a:p>
-            <a:pPr marL="914400" lvl="1" indent="-342900" algn="l" rtl="0">
-              <a:spcBef>
-                <a:spcPts val="0"/>
-              </a:spcBef>
-              <a:spcAft>
-                <a:spcPts val="0"/>
-              </a:spcAft>
-              <a:buClr>
-                <a:srgbClr val="000000"/>
-              </a:buClr>
-              <a:buSzPts val="1800"/>
-              <a:buChar char="○"/>
-            </a:pPr>
-            <a:r>
-              <a:rPr lang="en" u="sng">
-                <a:solidFill>
-                  <a:schemeClr val="hlink"/>
-                </a:solidFill>
-                <a:hlinkClick r:id="rId3"/>
-              </a:rPr>
-              <a:t>Codecademy | Intro to Programming: Loops [YouTube]</a:t>
-            </a:r>
-            <a:r>
-              <a:rPr lang="en">
-                <a:solidFill>
-                  <a:srgbClr val="000000"/>
-                </a:solidFill>
-              </a:rPr>
-              <a:t>: do you think in pictures? Watch this video for a great graphical explanation of loops.</a:t>
-            </a:r>
-            <a:endParaRPr>
-              <a:solidFill>
-                <a:srgbClr val="000000"/>
-              </a:solidFill>
-            </a:endParaRPr>
           </a:p>
         </p:txBody>
       </p:sp>

--- a/python1_2025.pptx
+++ b/python1_2025.pptx
@@ -5,7 +5,7 @@
     <p:sldMasterId id="2147483660" r:id="rId1"/>
   </p:sldMasterIdLst>
   <p:notesMasterIdLst>
-    <p:notesMasterId r:id="rId30"/>
+    <p:notesMasterId r:id="rId31"/>
   </p:notesMasterIdLst>
   <p:sldIdLst>
     <p:sldId id="256" r:id="rId2"/>
@@ -33,29 +33,30 @@
     <p:sldId id="278" r:id="rId24"/>
     <p:sldId id="285" r:id="rId25"/>
     <p:sldId id="279" r:id="rId26"/>
-    <p:sldId id="280" r:id="rId27"/>
-    <p:sldId id="281" r:id="rId28"/>
-    <p:sldId id="283" r:id="rId29"/>
+    <p:sldId id="306" r:id="rId27"/>
+    <p:sldId id="280" r:id="rId28"/>
+    <p:sldId id="281" r:id="rId29"/>
+    <p:sldId id="283" r:id="rId30"/>
   </p:sldIdLst>
   <p:sldSz cx="9144000" cy="5143500" type="screen16x9"/>
   <p:notesSz cx="6858000" cy="9144000"/>
   <p:embeddedFontLst>
     <p:embeddedFont>
       <p:font typeface="Avenir" panose="02000503020000020003" pitchFamily="2" charset="0"/>
-      <p:regular r:id="rId31"/>
-      <p:italic r:id="rId32"/>
+      <p:regular r:id="rId32"/>
+      <p:italic r:id="rId33"/>
     </p:embeddedFont>
     <p:embeddedFont>
       <p:font typeface="Avenir Book" panose="02000503020000020003" pitchFamily="2" charset="0"/>
-      <p:regular r:id="rId33"/>
-      <p:italic r:id="rId34"/>
+      <p:regular r:id="rId34"/>
+      <p:italic r:id="rId35"/>
     </p:embeddedFont>
     <p:embeddedFont>
       <p:font typeface="Montserrat" pitchFamily="2" charset="77"/>
-      <p:regular r:id="rId35"/>
-      <p:bold r:id="rId36"/>
-      <p:italic r:id="rId37"/>
-      <p:boldItalic r:id="rId38"/>
+      <p:regular r:id="rId36"/>
+      <p:bold r:id="rId37"/>
+      <p:italic r:id="rId38"/>
+      <p:boldItalic r:id="rId39"/>
     </p:embeddedFont>
   </p:embeddedFontLst>
   <p:defaultTextStyle>
@@ -1047,6 +1048,59 @@
               </a:spcAft>
               <a:buNone/>
             </a:pPr>
+            <a:r>
+              <a:rPr lang="en-US" dirty="0"/>
+              <a:t>Python is a powerful tool for data analysis, with specialized libraries that make handling data easy and efficient </a:t>
+            </a:r>
+          </a:p>
+          <a:p>
+            <a:pPr marL="0" lvl="0" indent="0" algn="l" rtl="0">
+              <a:spcBef>
+                <a:spcPts val="0"/>
+              </a:spcBef>
+              <a:spcAft>
+                <a:spcPts val="0"/>
+              </a:spcAft>
+              <a:buNone/>
+            </a:pPr>
+            <a:r>
+              <a:rPr lang="en-US" dirty="0"/>
+              <a:t>NumPy: lets you work with large arrays and perform complex mathematical operations efficiently - like processing thousands of numbers at once </a:t>
+            </a:r>
+          </a:p>
+          <a:p>
+            <a:pPr marL="0" lvl="0" indent="0" algn="l" rtl="0">
+              <a:spcBef>
+                <a:spcPts val="0"/>
+              </a:spcBef>
+              <a:spcAft>
+                <a:spcPts val="0"/>
+              </a:spcAft>
+              <a:buNone/>
+            </a:pPr>
+            <a:r>
+              <a:rPr lang="en-US" dirty="0" err="1"/>
+              <a:t>Matplotlib.pyplot</a:t>
+            </a:r>
+            <a:r>
+              <a:rPr lang="en-US" dirty="0"/>
+              <a:t>: creates graphs and charts to visualize your data, turning raw numbers into meaningful visual stories that anyone can understand </a:t>
+            </a:r>
+          </a:p>
+          <a:p>
+            <a:pPr marL="0" lvl="0" indent="0" algn="l" rtl="0">
+              <a:spcBef>
+                <a:spcPts val="0"/>
+              </a:spcBef>
+              <a:spcAft>
+                <a:spcPts val="0"/>
+              </a:spcAft>
+              <a:buNone/>
+            </a:pPr>
+            <a:r>
+              <a:rPr lang="en-US" dirty="0"/>
+              <a:t>These libraries work together seamlessly - scientists often load data with NumPy, perform calculations, and create visualizations in Matplotlib to share their findings</a:t>
+            </a:r>
             <a:endParaRPr dirty="0"/>
           </a:p>
         </p:txBody>
@@ -1142,6 +1196,88 @@
           </a:bodyPr>
           <a:lstStyle/>
           <a:p>
+            <a:r>
+              <a:rPr lang="en-US" dirty="0"/>
+              <a:t>• This slide illustrates the basic components of a data visualization workflow in programming.</a:t>
+            </a:r>
+          </a:p>
+          <a:p>
+            <a:r>
+              <a:rPr lang="en-US" dirty="0"/>
+              <a:t>• The image shows four key elements of setting up a visualization:</a:t>
+            </a:r>
+          </a:p>
+          <a:p>
+            <a:r>
+              <a:rPr lang="en-US" dirty="0"/>
+              <a:t>1. </a:t>
+            </a:r>
+            <a:r>
+              <a:rPr lang="en-US" b="1" dirty="0"/>
+              <a:t>Environment Setup</a:t>
+            </a:r>
+            <a:r>
+              <a:rPr lang="en-US" dirty="0"/>
+              <a:t> – Configuring the basic controls.</a:t>
+            </a:r>
+          </a:p>
+          <a:p>
+            <a:r>
+              <a:rPr lang="en-US" dirty="0"/>
+              <a:t>2. </a:t>
+            </a:r>
+            <a:r>
+              <a:rPr lang="en-US" b="1" dirty="0"/>
+              <a:t>Importing Libraries</a:t>
+            </a:r>
+            <a:r>
+              <a:rPr lang="en-US" dirty="0"/>
+              <a:t> – Using Python’s import syntax to load necessary tools, such as 'tool' and '</a:t>
+            </a:r>
+            <a:r>
+              <a:rPr lang="en-US" dirty="0" err="1"/>
+              <a:t>viztool</a:t>
+            </a:r>
+            <a:r>
+              <a:rPr lang="en-US" dirty="0"/>
+              <a:t>', with aliases 't' and 'viz'.</a:t>
+            </a:r>
+          </a:p>
+          <a:p>
+            <a:r>
+              <a:rPr lang="en-US" dirty="0"/>
+              <a:t>3. </a:t>
+            </a:r>
+            <a:r>
+              <a:rPr lang="en-US" b="1" dirty="0"/>
+              <a:t>Writing Code</a:t>
+            </a:r>
+            <a:r>
+              <a:rPr lang="en-US" dirty="0"/>
+              <a:t> – Creating a function that utilizes the imported tools.</a:t>
+            </a:r>
+          </a:p>
+          <a:p>
+            <a:r>
+              <a:rPr lang="en-US" dirty="0"/>
+              <a:t>4. </a:t>
+            </a:r>
+            <a:r>
+              <a:rPr lang="en-US" b="1" dirty="0"/>
+              <a:t>Generating Output</a:t>
+            </a:r>
+            <a:r>
+              <a:rPr lang="en-US" dirty="0"/>
+              <a:t> – Producing a visualization</a:t>
+            </a:r>
+          </a:p>
+          <a:p>
+            <a:r>
+              <a:rPr lang="en-US" dirty="0"/>
+              <a:t>• This structure is common in data visualization workflows, progressing step-by-step to build the final visual result.</a:t>
+            </a:r>
+          </a:p>
+          <a:p>
             <a:pPr marL="0" lvl="0" indent="0" algn="l" rtl="0">
               <a:spcBef>
                 <a:spcPts val="0"/>
@@ -1151,7 +1287,7 @@
               </a:spcAft>
               <a:buNone/>
             </a:pPr>
-            <a:endParaRPr/>
+            <a:endParaRPr dirty="0"/>
           </a:p>
         </p:txBody>
       </p:sp>
@@ -1264,14 +1400,14 @@
               <a:buNone/>
             </a:pPr>
             <a:r>
-              <a:rPr lang="en" sz="1300" b="1">
+              <a:rPr lang="en" sz="1300" b="1" dirty="0">
                 <a:solidFill>
                   <a:schemeClr val="dk1"/>
                 </a:solidFill>
               </a:rPr>
               <a:t>Scenario: A Miracle Arthritis Inflammation Cure</a:t>
             </a:r>
-            <a:endParaRPr sz="1300" b="1">
+            <a:endParaRPr sz="1300" b="1" dirty="0">
               <a:solidFill>
                 <a:schemeClr val="dk1"/>
               </a:solidFill>
@@ -1296,14 +1432,14 @@
               <a:buNone/>
             </a:pPr>
             <a:r>
-              <a:rPr lang="en">
+              <a:rPr lang="en" dirty="0">
                 <a:solidFill>
                   <a:schemeClr val="dk1"/>
                 </a:solidFill>
               </a:rPr>
               <a:t>Our imaginary colleague “Dr. Maverick” has invented a new miracle drug that promises to cure arthritis inflammation flare-ups after only 3 weeks since initially taking the medication! Naturally, we wish to see the clinical trial data, and after months of asking for the data they have finally provided us with a CSV spreadsheet containing the clinical trial data.</a:t>
             </a:r>
-            <a:endParaRPr>
+            <a:endParaRPr dirty="0">
               <a:solidFill>
                 <a:schemeClr val="dk1"/>
               </a:solidFill>
@@ -1328,14 +1464,14 @@
               <a:buNone/>
             </a:pPr>
             <a:r>
-              <a:rPr lang="en">
+              <a:rPr lang="en" dirty="0">
                 <a:solidFill>
                   <a:schemeClr val="dk1"/>
                 </a:solidFill>
               </a:rPr>
               <a:t>The CSV file contains the number of inflammation flare-ups per day for the 60 patients in the initial clinical trial, with the trial lasting 40 days. Each row corresponds to a patient, and each column corresponds to a day in the trial. Once a patient has their first inflammation flare-up they take the medication and wait a few weeks for it to take effect and reduce flare-ups.</a:t>
             </a:r>
-            <a:endParaRPr>
+            <a:endParaRPr dirty="0">
               <a:solidFill>
                 <a:schemeClr val="dk1"/>
               </a:solidFill>
@@ -1360,14 +1496,14 @@
               <a:buNone/>
             </a:pPr>
             <a:r>
-              <a:rPr lang="en">
+              <a:rPr lang="en" dirty="0">
                 <a:solidFill>
                   <a:schemeClr val="dk1"/>
                 </a:solidFill>
               </a:rPr>
               <a:t>To see how effective the treatment is we would like to:</a:t>
             </a:r>
-            <a:endParaRPr>
+            <a:endParaRPr dirty="0">
               <a:solidFill>
                 <a:schemeClr val="dk1"/>
               </a:solidFill>
@@ -1391,14 +1527,14 @@
               <a:buAutoNum type="arabicPeriod"/>
             </a:pPr>
             <a:r>
-              <a:rPr lang="en">
+              <a:rPr lang="en" dirty="0">
                 <a:solidFill>
                   <a:schemeClr val="dk1"/>
                 </a:solidFill>
               </a:rPr>
               <a:t>Calculate the average inflammation per day across all patients.</a:t>
             </a:r>
-            <a:endParaRPr>
+            <a:endParaRPr dirty="0">
               <a:solidFill>
                 <a:schemeClr val="dk1"/>
               </a:solidFill>
@@ -1422,14 +1558,14 @@
               <a:buAutoNum type="arabicPeriod"/>
             </a:pPr>
             <a:r>
-              <a:rPr lang="en">
+              <a:rPr lang="en" dirty="0">
                 <a:solidFill>
                   <a:schemeClr val="dk1"/>
                 </a:solidFill>
               </a:rPr>
               <a:t>Plot the result to discuss and share with colleagues.</a:t>
             </a:r>
-            <a:endParaRPr>
+            <a:endParaRPr dirty="0">
               <a:solidFill>
                 <a:schemeClr val="dk1"/>
               </a:solidFill>
@@ -1445,7 +1581,7 @@
               </a:spcAft>
               <a:buNone/>
             </a:pPr>
-            <a:endParaRPr/>
+            <a:endParaRPr dirty="0"/>
           </a:p>
         </p:txBody>
       </p:sp>
@@ -1549,7 +1685,7 @@
               </a:spcAft>
               <a:buNone/>
             </a:pPr>
-            <a:endParaRPr/>
+            <a:endParaRPr dirty="0"/>
           </a:p>
         </p:txBody>
       </p:sp>
@@ -2787,6 +2923,67 @@
 </file>
 
 <file path=ppt/notesSlides/notesSlide26.xml><?xml version="1.0" encoding="utf-8"?>
+<p:notes xmlns:a="http://schemas.openxmlformats.org/drawingml/2006/main" xmlns:r="http://schemas.openxmlformats.org/officeDocument/2006/relationships" xmlns:p="http://schemas.openxmlformats.org/presentationml/2006/main">
+  <p:cSld>
+    <p:spTree>
+      <p:nvGrpSpPr>
+        <p:cNvPr id="1" name=""/>
+        <p:cNvGrpSpPr/>
+        <p:nvPr/>
+      </p:nvGrpSpPr>
+      <p:grpSpPr>
+        <a:xfrm>
+          <a:off x="0" y="0"/>
+          <a:ext cx="0" cy="0"/>
+          <a:chOff x="0" y="0"/>
+          <a:chExt cx="0" cy="0"/>
+        </a:xfrm>
+      </p:grpSpPr>
+      <p:sp>
+        <p:nvSpPr>
+          <p:cNvPr id="2" name="Slide Image Placeholder 1"/>
+          <p:cNvSpPr>
+            <a:spLocks noGrp="1" noRot="1" noChangeAspect="1"/>
+          </p:cNvSpPr>
+          <p:nvPr>
+            <p:ph type="sldImg"/>
+          </p:nvPr>
+        </p:nvSpPr>
+        <p:spPr/>
+      </p:sp>
+      <p:sp>
+        <p:nvSpPr>
+          <p:cNvPr id="3" name="Notes Placeholder 2"/>
+          <p:cNvSpPr>
+            <a:spLocks noGrp="1"/>
+          </p:cNvSpPr>
+          <p:nvPr>
+            <p:ph type="body" idx="1"/>
+          </p:nvPr>
+        </p:nvSpPr>
+        <p:spPr/>
+        <p:txBody>
+          <a:bodyPr/>
+          <a:lstStyle/>
+          <a:p>
+            <a:endParaRPr lang="en-US" dirty="0"/>
+          </a:p>
+        </p:txBody>
+      </p:sp>
+    </p:spTree>
+    <p:extLst>
+      <p:ext uri="{BB962C8B-B14F-4D97-AF65-F5344CB8AC3E}">
+        <p14:creationId xmlns:p14="http://schemas.microsoft.com/office/powerpoint/2010/main" val="2039924284"/>
+      </p:ext>
+    </p:extLst>
+  </p:cSld>
+  <p:clrMapOvr>
+    <a:masterClrMapping/>
+  </p:clrMapOvr>
+</p:notes>
+</file>
+
+<file path=ppt/notesSlides/notesSlide27.xml><?xml version="1.0" encoding="utf-8"?>
 <p:notes xmlns:a="http://schemas.openxmlformats.org/drawingml/2006/main" xmlns:r="http://schemas.openxmlformats.org/officeDocument/2006/relationships" xmlns:p="http://schemas.openxmlformats.org/presentationml/2006/main" showMasterSp="0" showMasterPhAnim="0">
   <p:cSld>
     <p:spTree>
@@ -2890,7 +3087,7 @@
 </p:notes>
 </file>
 
-<file path=ppt/notesSlides/notesSlide27.xml><?xml version="1.0" encoding="utf-8"?>
+<file path=ppt/notesSlides/notesSlide28.xml><?xml version="1.0" encoding="utf-8"?>
 <p:notes xmlns:a="http://schemas.openxmlformats.org/drawingml/2006/main" xmlns:r="http://schemas.openxmlformats.org/officeDocument/2006/relationships" xmlns:p="http://schemas.openxmlformats.org/presentationml/2006/main" showMasterSp="0" showMasterPhAnim="0">
   <p:cSld>
     <p:spTree>
@@ -2994,7 +3191,7 @@
 </p:notes>
 </file>
 
-<file path=ppt/notesSlides/notesSlide28.xml><?xml version="1.0" encoding="utf-8"?>
+<file path=ppt/notesSlides/notesSlide29.xml><?xml version="1.0" encoding="utf-8"?>
 <p:notes xmlns:a="http://schemas.openxmlformats.org/drawingml/2006/main" xmlns:r="http://schemas.openxmlformats.org/officeDocument/2006/relationships" xmlns:p="http://schemas.openxmlformats.org/presentationml/2006/main" showMasterSp="0" showMasterPhAnim="0">
   <p:cSld>
     <p:spTree>
@@ -3615,6 +3812,130 @@
               </a:rPr>
               <a:t> Because of its popularity, it also has a big community, and a lot of libraries, toolkits, and guides.</a:t>
             </a:r>
+          </a:p>
+          <a:p>
+            <a:pPr marL="0" marR="0" lvl="0" indent="0" algn="l" defTabSz="914400" rtl="0" eaLnBrk="1" fontAlgn="auto" latinLnBrk="0" hangingPunct="1">
+              <a:lnSpc>
+                <a:spcPct val="100000"/>
+              </a:lnSpc>
+              <a:spcBef>
+                <a:spcPts val="0"/>
+              </a:spcBef>
+              <a:spcAft>
+                <a:spcPts val="0"/>
+              </a:spcAft>
+              <a:buClr>
+                <a:srgbClr val="000000"/>
+              </a:buClr>
+              <a:buSzPts val="1100"/>
+              <a:buFont typeface="Arial"/>
+              <a:buNone/>
+              <a:tabLst/>
+              <a:defRPr/>
+            </a:pPr>
+            <a:endParaRPr lang="en-US" sz="1400" b="0" i="0" u="none" strike="noStrike" kern="1200" dirty="0">
+              <a:solidFill>
+                <a:schemeClr val="tx1"/>
+              </a:solidFill>
+              <a:effectLst/>
+              <a:latin typeface="Avenir Book" panose="02000503020000020003" pitchFamily="2" charset="0"/>
+              <a:ea typeface="+mn-ea"/>
+              <a:cs typeface="+mn-cs"/>
+            </a:endParaRPr>
+          </a:p>
+          <a:p>
+            <a:pPr marL="0" marR="0" lvl="0" indent="0" algn="l" defTabSz="914400" rtl="0" eaLnBrk="1" fontAlgn="auto" latinLnBrk="0" hangingPunct="1">
+              <a:lnSpc>
+                <a:spcPct val="100000"/>
+              </a:lnSpc>
+              <a:spcBef>
+                <a:spcPts val="0"/>
+              </a:spcBef>
+              <a:spcAft>
+                <a:spcPts val="0"/>
+              </a:spcAft>
+              <a:buClr>
+                <a:srgbClr val="000000"/>
+              </a:buClr>
+              <a:buSzPts val="1100"/>
+              <a:buFont typeface="Arial"/>
+              <a:buNone/>
+              <a:tabLst/>
+              <a:defRPr/>
+            </a:pPr>
+            <a:endParaRPr lang="en-US" sz="1000" b="0" i="0" u="none" strike="noStrike" kern="1200" dirty="0">
+              <a:solidFill>
+                <a:schemeClr val="tx1"/>
+              </a:solidFill>
+              <a:effectLst/>
+              <a:latin typeface="Avenir Book" panose="02000503020000020003" pitchFamily="2" charset="0"/>
+              <a:ea typeface="+mn-ea"/>
+              <a:cs typeface="+mn-cs"/>
+            </a:endParaRPr>
+          </a:p>
+          <a:p>
+            <a:pPr marL="0" marR="0" lvl="0" indent="0" algn="l" defTabSz="914400" rtl="0" eaLnBrk="1" fontAlgn="auto" latinLnBrk="0" hangingPunct="1">
+              <a:lnSpc>
+                <a:spcPct val="100000"/>
+              </a:lnSpc>
+              <a:spcBef>
+                <a:spcPts val="0"/>
+              </a:spcBef>
+              <a:spcAft>
+                <a:spcPts val="0"/>
+              </a:spcAft>
+              <a:buClr>
+                <a:srgbClr val="000000"/>
+              </a:buClr>
+              <a:buSzPts val="1100"/>
+              <a:buFont typeface="Arial"/>
+              <a:buNone/>
+              <a:tabLst/>
+              <a:defRPr/>
+            </a:pPr>
+            <a:r>
+              <a:rPr lang="en-US" sz="1400" dirty="0"/>
+              <a:t>I think of Python like a set of instructions you give to your computer - similar to writing down steps in a recipe, but using special words the computer understands. Just like you might tell a friend "get the milk from the fridge," you can tell Python "print this text" or "calculate this number."</a:t>
+            </a:r>
+            <a:endParaRPr lang="en-US" sz="1000" b="0" i="0" u="none" strike="noStrike" kern="1200" dirty="0">
+              <a:solidFill>
+                <a:schemeClr val="tx1"/>
+              </a:solidFill>
+              <a:effectLst/>
+              <a:latin typeface="Avenir Book" panose="02000503020000020003" pitchFamily="2" charset="0"/>
+              <a:ea typeface="+mn-ea"/>
+              <a:cs typeface="+mn-cs"/>
+            </a:endParaRPr>
+          </a:p>
+          <a:p>
+            <a:pPr marL="0" marR="0" lvl="0" indent="0" algn="l" defTabSz="914400" rtl="0" eaLnBrk="1" fontAlgn="auto" latinLnBrk="0" hangingPunct="1">
+              <a:lnSpc>
+                <a:spcPct val="100000"/>
+              </a:lnSpc>
+              <a:spcBef>
+                <a:spcPts val="0"/>
+              </a:spcBef>
+              <a:spcAft>
+                <a:spcPts val="0"/>
+              </a:spcAft>
+              <a:buClr>
+                <a:srgbClr val="000000"/>
+              </a:buClr>
+              <a:buSzPts val="1100"/>
+              <a:buFont typeface="Arial"/>
+              <a:buNone/>
+              <a:tabLst/>
+              <a:defRPr/>
+            </a:pPr>
+            <a:endParaRPr lang="en-US" sz="1400" b="0" i="0" u="none" strike="noStrike" kern="1200" dirty="0">
+              <a:solidFill>
+                <a:schemeClr val="tx1"/>
+              </a:solidFill>
+              <a:effectLst/>
+              <a:latin typeface="Avenir Book" panose="02000503020000020003" pitchFamily="2" charset="0"/>
+              <a:ea typeface="+mn-ea"/>
+              <a:cs typeface="+mn-cs"/>
+            </a:endParaRPr>
           </a:p>
           <a:p>
             <a:pPr marL="0" marR="0" lvl="0" indent="0" algn="l" defTabSz="914400" rtl="0" eaLnBrk="1" fontAlgn="auto" latinLnBrk="0" hangingPunct="1">
@@ -9789,7 +10110,7 @@
               <a:buNone/>
             </a:pPr>
             <a:r>
-              <a:rPr lang="en" sz="1300" b="1">
+              <a:rPr lang="en" sz="1300" b="1" dirty="0">
                 <a:solidFill>
                   <a:srgbClr val="38761D"/>
                 </a:solidFill>
@@ -9801,7 +10122,7 @@
               <a:t>import</a:t>
             </a:r>
             <a:r>
-              <a:rPr lang="en" sz="1300">
+              <a:rPr lang="en" sz="1300" dirty="0">
                 <a:latin typeface="Courier New"/>
                 <a:ea typeface="Courier New"/>
                 <a:cs typeface="Courier New"/>
@@ -9810,7 +10131,7 @@
               <a:t> tool </a:t>
             </a:r>
             <a:r>
-              <a:rPr lang="en" sz="1300" b="1">
+              <a:rPr lang="en" sz="1300" b="1" dirty="0">
                 <a:solidFill>
                   <a:srgbClr val="38761D"/>
                 </a:solidFill>
@@ -9822,7 +10143,7 @@
               <a:t>as</a:t>
             </a:r>
             <a:r>
-              <a:rPr lang="en" sz="1300">
+              <a:rPr lang="en" sz="1300" dirty="0">
                 <a:latin typeface="Courier New"/>
                 <a:ea typeface="Courier New"/>
                 <a:cs typeface="Courier New"/>
@@ -9830,7 +10151,7 @@
               </a:rPr>
               <a:t> t</a:t>
             </a:r>
-            <a:endParaRPr sz="1300">
+            <a:endParaRPr sz="1300" dirty="0">
               <a:latin typeface="Courier New"/>
               <a:ea typeface="Courier New"/>
               <a:cs typeface="Courier New"/>
@@ -9848,7 +10169,7 @@
               <a:buNone/>
             </a:pPr>
             <a:r>
-              <a:rPr lang="en" sz="1300" b="1">
+              <a:rPr lang="en" sz="1300" b="1" dirty="0">
                 <a:solidFill>
                   <a:srgbClr val="38761D"/>
                 </a:solidFill>
@@ -9860,16 +10181,34 @@
               <a:t>import</a:t>
             </a:r>
             <a:r>
-              <a:rPr lang="en" sz="1300">
+              <a:rPr lang="en" sz="1300" dirty="0">
                 <a:latin typeface="Courier New"/>
                 <a:ea typeface="Courier New"/>
                 <a:cs typeface="Courier New"/>
                 <a:sym typeface="Courier New"/>
               </a:rPr>
-              <a:t> viztool </a:t>
-            </a:r>
-            <a:r>
-              <a:rPr lang="en" sz="1300" b="1">
+              <a:t> </a:t>
+            </a:r>
+            <a:r>
+              <a:rPr lang="en" sz="1300" dirty="0" err="1">
+                <a:latin typeface="Courier New"/>
+                <a:ea typeface="Courier New"/>
+                <a:cs typeface="Courier New"/>
+                <a:sym typeface="Courier New"/>
+              </a:rPr>
+              <a:t>viztool</a:t>
+            </a:r>
+            <a:r>
+              <a:rPr lang="en" sz="1300" dirty="0">
+                <a:latin typeface="Courier New"/>
+                <a:ea typeface="Courier New"/>
+                <a:cs typeface="Courier New"/>
+                <a:sym typeface="Courier New"/>
+              </a:rPr>
+              <a:t> </a:t>
+            </a:r>
+            <a:r>
+              <a:rPr lang="en" sz="1300" b="1" dirty="0">
                 <a:solidFill>
                   <a:srgbClr val="38761D"/>
                 </a:solidFill>
@@ -9881,7 +10220,7 @@
               <a:t>as</a:t>
             </a:r>
             <a:r>
-              <a:rPr lang="en" sz="1300">
+              <a:rPr lang="en" sz="1300" dirty="0">
                 <a:latin typeface="Courier New"/>
                 <a:ea typeface="Courier New"/>
                 <a:cs typeface="Courier New"/>
@@ -9889,7 +10228,7 @@
               </a:rPr>
               <a:t> viz</a:t>
             </a:r>
-            <a:endParaRPr sz="1300">
+            <a:endParaRPr sz="1300" dirty="0">
               <a:latin typeface="Courier New"/>
               <a:ea typeface="Courier New"/>
               <a:cs typeface="Courier New"/>
@@ -11782,18 +12121,18 @@
               <a:buChar char="▣"/>
             </a:pPr>
             <a:r>
-              <a:rPr lang="en" sz="2000"/>
+              <a:rPr lang="en" sz="2000" dirty="0"/>
               <a:t>Calculate the </a:t>
             </a:r>
             <a:r>
-              <a:rPr lang="en" sz="2000" b="1"/>
+              <a:rPr lang="en" sz="2000" b="1" dirty="0"/>
               <a:t>average inflammation per day</a:t>
             </a:r>
             <a:r>
-              <a:rPr lang="en" sz="2000"/>
+              <a:rPr lang="en" sz="2000" dirty="0"/>
               <a:t> across all patients.</a:t>
             </a:r>
-            <a:endParaRPr sz="2000"/>
+            <a:endParaRPr sz="2000" dirty="0"/>
           </a:p>
           <a:p>
             <a:pPr marL="457200" lvl="0" indent="-298450" algn="l" rtl="0">
@@ -11811,10 +12150,10 @@
               <a:buChar char="▣"/>
             </a:pPr>
             <a:r>
-              <a:rPr lang="en" sz="2000" b="1"/>
+              <a:rPr lang="en" sz="2000" b="1" dirty="0"/>
               <a:t>Plot results.</a:t>
             </a:r>
-            <a:endParaRPr sz="2000" b="1"/>
+            <a:endParaRPr sz="2000" b="1" dirty="0"/>
           </a:p>
         </p:txBody>
       </p:sp>
@@ -14752,6 +15091,145 @@
   <p:cSld>
     <p:spTree>
       <p:nvGrpSpPr>
+        <p:cNvPr id="1" name=""/>
+        <p:cNvGrpSpPr/>
+        <p:nvPr/>
+      </p:nvGrpSpPr>
+      <p:grpSpPr>
+        <a:xfrm>
+          <a:off x="0" y="0"/>
+          <a:ext cx="0" cy="0"/>
+          <a:chOff x="0" y="0"/>
+          <a:chExt cx="0" cy="0"/>
+        </a:xfrm>
+      </p:grpSpPr>
+      <p:sp>
+        <p:nvSpPr>
+          <p:cNvPr id="2" name="Title 1">
+            <a:extLst>
+              <a:ext uri="{FF2B5EF4-FFF2-40B4-BE49-F238E27FC236}">
+                <a16:creationId xmlns:a16="http://schemas.microsoft.com/office/drawing/2014/main" id="{67770958-5D30-9458-8E2D-ACF27D89A83C}"/>
+              </a:ext>
+            </a:extLst>
+          </p:cNvPr>
+          <p:cNvSpPr>
+            <a:spLocks noGrp="1"/>
+          </p:cNvSpPr>
+          <p:nvPr>
+            <p:ph type="title"/>
+          </p:nvPr>
+        </p:nvSpPr>
+        <p:spPr/>
+        <p:txBody>
+          <a:bodyPr/>
+          <a:lstStyle/>
+          <a:p>
+            <a:r>
+              <a:rPr lang="en-US" dirty="0"/>
+              <a:t>Short Survey!</a:t>
+            </a:r>
+          </a:p>
+        </p:txBody>
+      </p:sp>
+      <p:sp>
+        <p:nvSpPr>
+          <p:cNvPr id="3" name="Text Placeholder 2">
+            <a:extLst>
+              <a:ext uri="{FF2B5EF4-FFF2-40B4-BE49-F238E27FC236}">
+                <a16:creationId xmlns:a16="http://schemas.microsoft.com/office/drawing/2014/main" id="{581670AF-98C7-6D29-11F6-507D3EDD07AE}"/>
+              </a:ext>
+            </a:extLst>
+          </p:cNvPr>
+          <p:cNvSpPr>
+            <a:spLocks noGrp="1"/>
+          </p:cNvSpPr>
+          <p:nvPr>
+            <p:ph type="body" idx="1"/>
+          </p:nvPr>
+        </p:nvSpPr>
+        <p:spPr/>
+        <p:txBody>
+          <a:bodyPr/>
+          <a:lstStyle/>
+          <a:p>
+            <a:r>
+              <a:rPr lang="en-US" sz="2800" b="1" dirty="0"/>
+              <a:t>Scan the QR code or visit </a:t>
+            </a:r>
+          </a:p>
+          <a:p>
+            <a:pPr marL="101600" indent="0">
+              <a:buNone/>
+            </a:pPr>
+            <a:r>
+              <a:rPr lang="en-US" sz="2800" b="1" dirty="0"/>
+              <a:t>    https://</a:t>
+            </a:r>
+            <a:r>
+              <a:rPr lang="en-US" sz="2800" b="1" dirty="0" err="1"/>
+              <a:t>tinyurl.com</a:t>
+            </a:r>
+            <a:r>
+              <a:rPr lang="en-US" sz="2800" b="1" dirty="0"/>
+              <a:t>/Py1Survey</a:t>
+            </a:r>
+          </a:p>
+          <a:p>
+            <a:pPr marL="101600" indent="0">
+              <a:buNone/>
+            </a:pPr>
+            <a:endParaRPr lang="en-US" sz="2800" b="1" dirty="0"/>
+          </a:p>
+        </p:txBody>
+      </p:sp>
+      <p:pic>
+        <p:nvPicPr>
+          <p:cNvPr id="4" name="Picture 3" descr="A qr code on a white background&#10;&#10;Description automatically generated">
+            <a:extLst>
+              <a:ext uri="{FF2B5EF4-FFF2-40B4-BE49-F238E27FC236}">
+                <a16:creationId xmlns:a16="http://schemas.microsoft.com/office/drawing/2014/main" id="{8854C88E-8E00-E36E-BCEA-735D204450FF}"/>
+              </a:ext>
+            </a:extLst>
+          </p:cNvPr>
+          <p:cNvPicPr>
+            <a:picLocks noChangeAspect="1"/>
+          </p:cNvPicPr>
+          <p:nvPr/>
+        </p:nvPicPr>
+        <p:blipFill>
+          <a:blip r:embed="rId3"/>
+          <a:stretch>
+            <a:fillRect/>
+          </a:stretch>
+        </p:blipFill>
+        <p:spPr>
+          <a:xfrm>
+            <a:off x="3385459" y="2525486"/>
+            <a:ext cx="2538132" cy="2465614"/>
+          </a:xfrm>
+          <a:prstGeom prst="rect">
+            <a:avLst/>
+          </a:prstGeom>
+        </p:spPr>
+      </p:pic>
+    </p:spTree>
+    <p:extLst>
+      <p:ext uri="{BB962C8B-B14F-4D97-AF65-F5344CB8AC3E}">
+        <p14:creationId xmlns:p14="http://schemas.microsoft.com/office/powerpoint/2010/main" val="4145401232"/>
+      </p:ext>
+    </p:extLst>
+  </p:cSld>
+  <p:clrMapOvr>
+    <a:masterClrMapping/>
+  </p:clrMapOvr>
+</p:sld>
+</file>
+
+<file path=ppt/slides/slide27.xml><?xml version="1.0" encoding="utf-8"?>
+<p:sld xmlns:a="http://schemas.openxmlformats.org/drawingml/2006/main" xmlns:r="http://schemas.openxmlformats.org/officeDocument/2006/relationships" xmlns:p="http://schemas.openxmlformats.org/presentationml/2006/main">
+  <p:cSld>
+    <p:spTree>
+      <p:nvGrpSpPr>
         <p:cNvPr id="1" name="Shape 281"/>
         <p:cNvGrpSpPr/>
         <p:nvPr/>
@@ -14869,7 +15347,7 @@
 </p:sld>
 </file>
 
-<file path=ppt/slides/slide27.xml><?xml version="1.0" encoding="utf-8"?>
+<file path=ppt/slides/slide28.xml><?xml version="1.0" encoding="utf-8"?>
 <p:sld xmlns:a="http://schemas.openxmlformats.org/drawingml/2006/main" xmlns:r="http://schemas.openxmlformats.org/officeDocument/2006/relationships" xmlns:p="http://schemas.openxmlformats.org/presentationml/2006/main">
   <p:cSld>
     <p:spTree>
@@ -15211,7 +15689,7 @@
 </p:sld>
 </file>
 
-<file path=ppt/slides/slide28.xml><?xml version="1.0" encoding="utf-8"?>
+<file path=ppt/slides/slide29.xml><?xml version="1.0" encoding="utf-8"?>
 <p:sld xmlns:a="http://schemas.openxmlformats.org/drawingml/2006/main" xmlns:r="http://schemas.openxmlformats.org/officeDocument/2006/relationships" xmlns:p="http://schemas.openxmlformats.org/presentationml/2006/main">
   <p:cSld>
     <p:spTree>

--- a/python1_2025.pptx
+++ b/python1_2025.pptx
@@ -1198,13 +1198,13 @@
           <a:p>
             <a:r>
               <a:rPr lang="en-US" dirty="0"/>
-              <a:t>• This slide illustrates the basic components of a data visualization workflow in programming.</a:t>
+              <a:t>basic components of a data visualization workflow in programming.</a:t>
             </a:r>
           </a:p>
           <a:p>
             <a:r>
               <a:rPr lang="en-US" dirty="0"/>
-              <a:t>• The image shows four key elements of setting up a visualization:</a:t>
+              <a:t>four key elements of setting up a visualization:</a:t>
             </a:r>
           </a:p>
           <a:p>
@@ -2376,6 +2376,94 @@
           </a:bodyPr>
           <a:lstStyle/>
           <a:p>
+            <a:r>
+              <a:rPr lang="en-US" dirty="0"/>
+              <a:t>• </a:t>
+            </a:r>
+            <a:r>
+              <a:rPr lang="en-US" b="1" dirty="0"/>
+              <a:t>“In NumPy, data is stored in arrays, which can be accessed using indexing.”</a:t>
+            </a:r>
+            <a:endParaRPr lang="en-US" dirty="0"/>
+          </a:p>
+          <a:p>
+            <a:r>
+              <a:rPr lang="en-US" dirty="0"/>
+              <a:t>• </a:t>
+            </a:r>
+            <a:r>
+              <a:rPr lang="en-US" b="1" dirty="0"/>
+              <a:t>“This example shows a 3x3 NumPy array, where rows and columns are indexed starting from 0.”</a:t>
+            </a:r>
+            <a:endParaRPr lang="en-US" dirty="0"/>
+          </a:p>
+          <a:p>
+            <a:r>
+              <a:rPr lang="en-US" dirty="0"/>
+              <a:t>• </a:t>
+            </a:r>
+            <a:r>
+              <a:rPr lang="en-US" b="1" dirty="0"/>
+              <a:t>“Each row is labeled with its index along the left: 0, 1, 2. Each column is labeled at the top: 0, 1, 2.”</a:t>
+            </a:r>
+            <a:endParaRPr lang="en-US" dirty="0"/>
+          </a:p>
+          <a:p>
+            <a:r>
+              <a:rPr lang="en-US" dirty="0"/>
+              <a:t>• </a:t>
+            </a:r>
+            <a:r>
+              <a:rPr lang="en-US" b="1" dirty="0"/>
+              <a:t>“To access a specific element, we use the format data[row, column].”</a:t>
+            </a:r>
+            <a:endParaRPr lang="en-US" dirty="0"/>
+          </a:p>
+          <a:p>
+            <a:r>
+              <a:rPr lang="en-US" dirty="0"/>
+              <a:t>• </a:t>
+            </a:r>
+            <a:r>
+              <a:rPr lang="en-US" b="1" dirty="0"/>
+              <a:t>“For example, data[0, 0] retrieves the first element, which is ‘A’.”</a:t>
+            </a:r>
+            <a:endParaRPr lang="en-US" dirty="0"/>
+          </a:p>
+          <a:p>
+            <a:r>
+              <a:rPr lang="en-US" dirty="0"/>
+              <a:t>• </a:t>
+            </a:r>
+            <a:r>
+              <a:rPr lang="en-US" b="1" dirty="0"/>
+              <a:t>“Similarly, data[1, 2] retrieves the element at row 1, column 2, which is ‘F’.”</a:t>
+            </a:r>
+            <a:endParaRPr lang="en-US" dirty="0"/>
+          </a:p>
+          <a:p>
+            <a:r>
+              <a:rPr lang="en-US" dirty="0"/>
+              <a:t>• </a:t>
+            </a:r>
+            <a:r>
+              <a:rPr lang="en-US" b="1" dirty="0"/>
+              <a:t>“This type of indexing allows precise access to elements within a NumPy array, making data manipulation efficient.”</a:t>
+            </a:r>
+            <a:endParaRPr lang="en-US" dirty="0"/>
+          </a:p>
+          <a:p>
+            <a:r>
+              <a:rPr lang="en-US" dirty="0"/>
+              <a:t>• </a:t>
+            </a:r>
+            <a:r>
+              <a:rPr lang="en-US" b="1" dirty="0"/>
+              <a:t>“NumPy also supports slicing and advanced indexing, which we’ll explore later.”</a:t>
+            </a:r>
+            <a:endParaRPr lang="en-US" dirty="0"/>
+          </a:p>
+          <a:p>
             <a:pPr marL="0" lvl="0" indent="0" algn="l" rtl="0">
               <a:spcBef>
                 <a:spcPts val="0"/>
@@ -2480,6 +2568,155 @@
           </a:bodyPr>
           <a:lstStyle/>
           <a:p>
+            <a:r>
+              <a:rPr lang="en-US" b="1" dirty="0"/>
+              <a:t>“In NumPy, arrays can have multiple dimensions, and operations can be performed along different axes.”</a:t>
+            </a:r>
+            <a:endParaRPr lang="en-US" dirty="0"/>
+          </a:p>
+          <a:p>
+            <a:r>
+              <a:rPr lang="en-US" dirty="0"/>
+              <a:t>• </a:t>
+            </a:r>
+            <a:r>
+              <a:rPr lang="en-US" b="1" dirty="0"/>
+              <a:t>“Understanding axes is important when working with multi-dimensional data, such as patient health data over time.”</a:t>
+            </a:r>
+            <a:endParaRPr lang="en-US" dirty="0"/>
+          </a:p>
+          <a:p>
+            <a:r>
+              <a:rPr lang="en-US" dirty="0"/>
+              <a:t>• </a:t>
+            </a:r>
+            <a:r>
+              <a:rPr lang="en-US" b="1" dirty="0"/>
+              <a:t>“Here, we have a 2D NumPy array where rows represent different patients, and columns represent daily measurements.”</a:t>
+            </a:r>
+            <a:br>
+              <a:rPr lang="en-US" dirty="0"/>
+            </a:br>
+            <a:endParaRPr lang="en-US" dirty="0"/>
+          </a:p>
+          <a:p>
+            <a:r>
+              <a:rPr lang="en-US" b="1" dirty="0"/>
+              <a:t>Left Diagram (Max for Each Patient)</a:t>
+            </a:r>
+            <a:endParaRPr lang="en-US" dirty="0"/>
+          </a:p>
+          <a:p>
+            <a:r>
+              <a:rPr lang="en-US" dirty="0"/>
+              <a:t>• </a:t>
+            </a:r>
+            <a:r>
+              <a:rPr lang="en-US" b="1" dirty="0"/>
+              <a:t>“On the left, we calculate the maximum value for each patient using </a:t>
+            </a:r>
+            <a:r>
+              <a:rPr lang="en-US" b="1" dirty="0" err="1"/>
+              <a:t>numpy.max</a:t>
+            </a:r>
+            <a:r>
+              <a:rPr lang="en-US" b="1" dirty="0"/>
+              <a:t>(data, axis=1).”</a:t>
+            </a:r>
+            <a:endParaRPr lang="en-US" dirty="0"/>
+          </a:p>
+          <a:p>
+            <a:r>
+              <a:rPr lang="en-US" dirty="0"/>
+              <a:t>• </a:t>
+            </a:r>
+            <a:r>
+              <a:rPr lang="en-US" b="1" dirty="0"/>
+              <a:t>“This means we are taking the max along each row, so the result is a 1D array where each value represents the highest measurement for that patient.”</a:t>
+            </a:r>
+            <a:br>
+              <a:rPr lang="en-US" dirty="0"/>
+            </a:br>
+            <a:endParaRPr lang="en-US" dirty="0"/>
+          </a:p>
+          <a:p>
+            <a:r>
+              <a:rPr lang="en-US" b="1" dirty="0"/>
+              <a:t>Right Diagram (Average for Each Day)</a:t>
+            </a:r>
+            <a:endParaRPr lang="en-US" dirty="0"/>
+          </a:p>
+          <a:p>
+            <a:r>
+              <a:rPr lang="en-US" dirty="0"/>
+              <a:t>• </a:t>
+            </a:r>
+            <a:r>
+              <a:rPr lang="en-US" b="1" dirty="0"/>
+              <a:t>“On the right, we compute the daily average using </a:t>
+            </a:r>
+            <a:r>
+              <a:rPr lang="en-US" b="1" dirty="0" err="1"/>
+              <a:t>numpy.mean</a:t>
+            </a:r>
+            <a:r>
+              <a:rPr lang="en-US" b="1" dirty="0"/>
+              <a:t>(data, axis=0).”</a:t>
+            </a:r>
+            <a:endParaRPr lang="en-US" dirty="0"/>
+          </a:p>
+          <a:p>
+            <a:r>
+              <a:rPr lang="en-US" dirty="0"/>
+              <a:t>• </a:t>
+            </a:r>
+            <a:r>
+              <a:rPr lang="en-US" b="1" dirty="0"/>
+              <a:t>“This operation works along columns, meaning it averages across all patients for each day, producing a 1D array of daily averages.”</a:t>
+            </a:r>
+            <a:endParaRPr lang="en-US" dirty="0"/>
+          </a:p>
+          <a:p>
+            <a:r>
+              <a:rPr lang="en-US" b="1" dirty="0"/>
+              <a:t>Key Takeaways</a:t>
+            </a:r>
+            <a:endParaRPr lang="en-US" dirty="0"/>
+          </a:p>
+          <a:p>
+            <a:r>
+              <a:rPr lang="en-US" dirty="0"/>
+              <a:t>• </a:t>
+            </a:r>
+            <a:r>
+              <a:rPr lang="en-US" b="1" dirty="0"/>
+              <a:t>”axis=0 means operating along columns (reducing rows).”</a:t>
+            </a:r>
+            <a:endParaRPr lang="en-US" dirty="0"/>
+          </a:p>
+          <a:p>
+            <a:r>
+              <a:rPr lang="en-US" dirty="0"/>
+              <a:t>• </a:t>
+            </a:r>
+            <a:r>
+              <a:rPr lang="en-US" b="1" dirty="0"/>
+              <a:t>”axis=1 means operating along rows (reducing columns).”</a:t>
+            </a:r>
+            <a:endParaRPr lang="en-US" dirty="0"/>
+          </a:p>
+          <a:p>
+            <a:r>
+              <a:rPr lang="en-US"/>
+              <a:t>• </a:t>
+            </a:r>
+            <a:r>
+              <a:rPr lang="en-US" b="1"/>
+              <a:t>“Understanding axes helps with efficient data analysis, especially when working with large datasets in machine learning and data science.”</a:t>
+            </a:r>
+            <a:endParaRPr lang="en-US"/>
+          </a:p>
+          <a:p>
             <a:pPr marL="0" lvl="0" indent="0" algn="l" rtl="0">
               <a:spcBef>
                 <a:spcPts val="0"/>
@@ -2489,7 +2726,7 @@
               </a:spcAft>
               <a:buNone/>
             </a:pPr>
-            <a:endParaRPr/>
+            <a:endParaRPr dirty="0"/>
           </a:p>
         </p:txBody>
       </p:sp>
